--- a/materi web dasar kelas komdas/Komputer Dasar - part3.pptx
+++ b/materi web dasar kelas komdas/Komputer Dasar - part3.pptx
@@ -15,7 +15,7 @@
     <p:sldId id="291" r:id="rId9"/>
     <p:sldId id="286" r:id="rId10"/>
     <p:sldId id="289" r:id="rId11"/>
-    <p:sldId id="285" r:id="rId12"/>
+    <p:sldId id="292" r:id="rId12"/>
   </p:sldIdLst>
   <p:sldSz cx="12192000" cy="6858000"/>
   <p:notesSz cx="6858000" cy="9144000"/>
@@ -310,7 +310,7 @@
           <a:p>
             <a:fld id="{07905461-91A2-47B8-A9BF-71F82423E503}" type="datetimeFigureOut">
               <a:rPr lang="en-ID" smtClean="0"/>
-              <a:t>08/12/2024</a:t>
+              <a:t>17/12/2024</a:t>
             </a:fld>
             <a:endParaRPr lang="en-ID"/>
           </a:p>
@@ -648,7 +648,7 @@
           <a:p>
             <a:fld id="{07905461-91A2-47B8-A9BF-71F82423E503}" type="datetimeFigureOut">
               <a:rPr lang="en-ID" smtClean="0"/>
-              <a:t>08/12/2024</a:t>
+              <a:t>17/12/2024</a:t>
             </a:fld>
             <a:endParaRPr lang="en-ID"/>
           </a:p>
@@ -1049,7 +1049,7 @@
           <a:p>
             <a:fld id="{07905461-91A2-47B8-A9BF-71F82423E503}" type="datetimeFigureOut">
               <a:rPr lang="en-ID" smtClean="0"/>
-              <a:t>08/12/2024</a:t>
+              <a:t>17/12/2024</a:t>
             </a:fld>
             <a:endParaRPr lang="en-ID"/>
           </a:p>
@@ -1385,7 +1385,7 @@
           <a:p>
             <a:fld id="{07905461-91A2-47B8-A9BF-71F82423E503}" type="datetimeFigureOut">
               <a:rPr lang="en-ID" smtClean="0"/>
-              <a:t>08/12/2024</a:t>
+              <a:t>17/12/2024</a:t>
             </a:fld>
             <a:endParaRPr lang="en-ID"/>
           </a:p>
@@ -1705,7 +1705,7 @@
           <a:p>
             <a:fld id="{07905461-91A2-47B8-A9BF-71F82423E503}" type="datetimeFigureOut">
               <a:rPr lang="en-ID" smtClean="0"/>
-              <a:t>08/12/2024</a:t>
+              <a:t>17/12/2024</a:t>
             </a:fld>
             <a:endParaRPr lang="en-ID"/>
           </a:p>
@@ -2101,7 +2101,7 @@
           <a:p>
             <a:fld id="{07905461-91A2-47B8-A9BF-71F82423E503}" type="datetimeFigureOut">
               <a:rPr lang="en-ID" smtClean="0"/>
-              <a:t>08/12/2024</a:t>
+              <a:t>17/12/2024</a:t>
             </a:fld>
             <a:endParaRPr lang="en-ID"/>
           </a:p>
@@ -2358,7 +2358,7 @@
           <a:p>
             <a:fld id="{07905461-91A2-47B8-A9BF-71F82423E503}" type="datetimeFigureOut">
               <a:rPr lang="en-ID" smtClean="0"/>
-              <a:t>08/12/2024</a:t>
+              <a:t>17/12/2024</a:t>
             </a:fld>
             <a:endParaRPr lang="en-ID"/>
           </a:p>
@@ -2620,7 +2620,7 @@
           <a:p>
             <a:fld id="{07905461-91A2-47B8-A9BF-71F82423E503}" type="datetimeFigureOut">
               <a:rPr lang="en-ID" smtClean="0"/>
-              <a:t>08/12/2024</a:t>
+              <a:t>17/12/2024</a:t>
             </a:fld>
             <a:endParaRPr lang="en-ID"/>
           </a:p>
@@ -2882,7 +2882,7 @@
           <a:p>
             <a:fld id="{07905461-91A2-47B8-A9BF-71F82423E503}" type="datetimeFigureOut">
               <a:rPr lang="en-ID" smtClean="0"/>
-              <a:t>08/12/2024</a:t>
+              <a:t>17/12/2024</a:t>
             </a:fld>
             <a:endParaRPr lang="en-ID"/>
           </a:p>
@@ -3211,7 +3211,7 @@
           <a:p>
             <a:fld id="{07905461-91A2-47B8-A9BF-71F82423E503}" type="datetimeFigureOut">
               <a:rPr lang="en-ID" smtClean="0"/>
-              <a:t>08/12/2024</a:t>
+              <a:t>17/12/2024</a:t>
             </a:fld>
             <a:endParaRPr lang="en-ID"/>
           </a:p>
@@ -3534,7 +3534,7 @@
           <a:p>
             <a:fld id="{07905461-91A2-47B8-A9BF-71F82423E503}" type="datetimeFigureOut">
               <a:rPr lang="en-ID" smtClean="0"/>
-              <a:t>08/12/2024</a:t>
+              <a:t>17/12/2024</a:t>
             </a:fld>
             <a:endParaRPr lang="en-ID"/>
           </a:p>
@@ -3991,7 +3991,7 @@
           <a:p>
             <a:fld id="{07905461-91A2-47B8-A9BF-71F82423E503}" type="datetimeFigureOut">
               <a:rPr lang="en-ID" smtClean="0"/>
-              <a:t>08/12/2024</a:t>
+              <a:t>17/12/2024</a:t>
             </a:fld>
             <a:endParaRPr lang="en-ID"/>
           </a:p>
@@ -4196,7 +4196,7 @@
           <a:p>
             <a:fld id="{07905461-91A2-47B8-A9BF-71F82423E503}" type="datetimeFigureOut">
               <a:rPr lang="en-ID" smtClean="0"/>
-              <a:t>08/12/2024</a:t>
+              <a:t>17/12/2024</a:t>
             </a:fld>
             <a:endParaRPr lang="en-ID"/>
           </a:p>
@@ -4373,7 +4373,7 @@
           <a:p>
             <a:fld id="{07905461-91A2-47B8-A9BF-71F82423E503}" type="datetimeFigureOut">
               <a:rPr lang="en-ID" smtClean="0"/>
-              <a:t>08/12/2024</a:t>
+              <a:t>17/12/2024</a:t>
             </a:fld>
             <a:endParaRPr lang="en-ID"/>
           </a:p>
@@ -4706,7 +4706,7 @@
           <a:p>
             <a:fld id="{07905461-91A2-47B8-A9BF-71F82423E503}" type="datetimeFigureOut">
               <a:rPr lang="en-ID" smtClean="0"/>
-              <a:t>08/12/2024</a:t>
+              <a:t>17/12/2024</a:t>
             </a:fld>
             <a:endParaRPr lang="en-ID"/>
           </a:p>
@@ -5051,7 +5051,7 @@
           <a:p>
             <a:fld id="{07905461-91A2-47B8-A9BF-71F82423E503}" type="datetimeFigureOut">
               <a:rPr lang="en-ID" smtClean="0"/>
-              <a:t>08/12/2024</a:t>
+              <a:t>17/12/2024</a:t>
             </a:fld>
             <a:endParaRPr lang="en-ID"/>
           </a:p>
@@ -7168,7 +7168,7 @@
           <a:p>
             <a:fld id="{07905461-91A2-47B8-A9BF-71F82423E503}" type="datetimeFigureOut">
               <a:rPr lang="en-ID" smtClean="0"/>
-              <a:t>08/12/2024</a:t>
+              <a:t>17/12/2024</a:t>
             </a:fld>
             <a:endParaRPr lang="en-ID"/>
           </a:p>
@@ -7974,7 +7974,7 @@
     <p:bg>
       <p:bgPr>
         <a:solidFill>
-          <a:schemeClr val="bg1"/>
+          <a:schemeClr val="tx1"/>
         </a:solidFill>
         <a:effectLst/>
       </p:bgPr>
@@ -7998,7 +7998,7 @@
           <p:cNvPr id="2" name="Title 1">
             <a:extLst>
               <a:ext uri="{FF2B5EF4-FFF2-40B4-BE49-F238E27FC236}">
-                <a16:creationId xmlns:a16="http://schemas.microsoft.com/office/drawing/2014/main" id="{4832AD6B-0DDA-4078-AB2F-B591C4A21E77}"/>
+                <a16:creationId xmlns:a16="http://schemas.microsoft.com/office/drawing/2014/main" id="{899F31B2-1222-4C2F-BCA6-F9FC4321A011}"/>
               </a:ext>
             </a:extLst>
           </p:cNvPr>
@@ -8011,8 +8011,50 @@
         </p:nvSpPr>
         <p:spPr>
           <a:xfrm>
-            <a:off x="1492995" y="359206"/>
+            <a:off x="1467510" y="250062"/>
             <a:ext cx="8911687" cy="1280890"/>
+          </a:xfrm>
+        </p:spPr>
+        <p:txBody>
+          <a:bodyPr/>
+          <a:lstStyle/>
+          <a:p>
+            <a:r>
+              <a:rPr lang="en-US" dirty="0">
+                <a:solidFill>
+                  <a:schemeClr val="bg1"/>
+                </a:solidFill>
+              </a:rPr>
+              <a:t>HTML = KERANGKA WEBSITE</a:t>
+            </a:r>
+            <a:endParaRPr lang="en-ID" dirty="0">
+              <a:solidFill>
+                <a:schemeClr val="bg1"/>
+              </a:solidFill>
+            </a:endParaRPr>
+          </a:p>
+        </p:txBody>
+      </p:sp>
+      <p:sp>
+        <p:nvSpPr>
+          <p:cNvPr id="3" name="Content Placeholder 2">
+            <a:extLst>
+              <a:ext uri="{FF2B5EF4-FFF2-40B4-BE49-F238E27FC236}">
+                <a16:creationId xmlns:a16="http://schemas.microsoft.com/office/drawing/2014/main" id="{EA4A05F7-65CE-4E4D-B404-CE8A38F2AA35}"/>
+              </a:ext>
+            </a:extLst>
+          </p:cNvPr>
+          <p:cNvSpPr>
+            <a:spLocks noGrp="1"/>
+          </p:cNvSpPr>
+          <p:nvPr>
+            <p:ph idx="1"/>
+          </p:nvPr>
+        </p:nvSpPr>
+        <p:spPr>
+          <a:xfrm>
+            <a:off x="1351255" y="1237957"/>
+            <a:ext cx="8915400" cy="4729536"/>
           </a:xfrm>
         </p:spPr>
         <p:txBody>
@@ -8021,48 +8063,659 @@
           </a:bodyPr>
           <a:lstStyle/>
           <a:p>
-            <a:r>
-              <a:rPr lang="en-US" sz="3200" dirty="0"/>
-              <a:t>.</a:t>
-            </a:r>
-            <a:endParaRPr lang="en-ID" sz="3200" dirty="0"/>
-          </a:p>
-        </p:txBody>
-      </p:sp>
-      <p:pic>
-        <p:nvPicPr>
-          <p:cNvPr id="4" name="Picture 3">
-            <a:extLst>
-              <a:ext uri="{FF2B5EF4-FFF2-40B4-BE49-F238E27FC236}">
-                <a16:creationId xmlns:a16="http://schemas.microsoft.com/office/drawing/2014/main" id="{7D8ACADC-313A-4DC5-A41A-AABF870C5498}"/>
-              </a:ext>
-            </a:extLst>
-          </p:cNvPr>
-          <p:cNvPicPr>
-            <a:picLocks noChangeAspect="1"/>
-          </p:cNvPicPr>
-          <p:nvPr/>
-        </p:nvPicPr>
-        <p:blipFill>
-          <a:blip r:embed="rId2"/>
-          <a:stretch>
-            <a:fillRect/>
-          </a:stretch>
-        </p:blipFill>
-        <p:spPr>
-          <a:xfrm>
-            <a:off x="529393" y="1113184"/>
-            <a:ext cx="11133213" cy="4214190"/>
-          </a:xfrm>
-          <a:prstGeom prst="rect">
-            <a:avLst/>
-          </a:prstGeom>
-        </p:spPr>
-      </p:pic>
+            <a:pPr>
+              <a:buFont typeface="+mj-lt"/>
+              <a:buAutoNum type="arabicPeriod"/>
+            </a:pPr>
+            <a:r>
+              <a:rPr lang="en-ID" dirty="0">
+                <a:solidFill>
+                  <a:srgbClr val="808080"/>
+                </a:solidFill>
+                <a:latin typeface="Consolas" panose="020B0609020204030204" pitchFamily="49" charset="0"/>
+              </a:rPr>
+              <a:t>!</a:t>
+            </a:r>
+            <a:r>
+              <a:rPr lang="en-ID" dirty="0">
+                <a:solidFill>
+                  <a:srgbClr val="569CD6"/>
+                </a:solidFill>
+                <a:latin typeface="Consolas" panose="020B0609020204030204" pitchFamily="49" charset="0"/>
+              </a:rPr>
+              <a:t>DOCTYPE</a:t>
+            </a:r>
+            <a:r>
+              <a:rPr lang="en-ID" dirty="0">
+                <a:solidFill>
+                  <a:srgbClr val="D4D4D4"/>
+                </a:solidFill>
+                <a:latin typeface="Consolas" panose="020B0609020204030204" pitchFamily="49" charset="0"/>
+              </a:rPr>
+              <a:t> </a:t>
+            </a:r>
+            <a:r>
+              <a:rPr lang="en-ID" dirty="0">
+                <a:solidFill>
+                  <a:srgbClr val="9CDCFE"/>
+                </a:solidFill>
+                <a:latin typeface="Consolas" panose="020B0609020204030204" pitchFamily="49" charset="0"/>
+              </a:rPr>
+              <a:t>html</a:t>
+            </a:r>
+            <a:r>
+              <a:rPr lang="en-ID" dirty="0">
+                <a:solidFill>
+                  <a:srgbClr val="808080"/>
+                </a:solidFill>
+                <a:latin typeface="Consolas" panose="020B0609020204030204" pitchFamily="49" charset="0"/>
+              </a:rPr>
+              <a:t>&gt;</a:t>
+            </a:r>
+            <a:endParaRPr lang="en-ID" dirty="0">
+              <a:solidFill>
+                <a:srgbClr val="D4D4D4"/>
+              </a:solidFill>
+              <a:latin typeface="Consolas" panose="020B0609020204030204" pitchFamily="49" charset="0"/>
+            </a:endParaRPr>
+          </a:p>
+          <a:p>
+            <a:pPr>
+              <a:buFont typeface="+mj-lt"/>
+              <a:buAutoNum type="arabicPeriod"/>
+            </a:pPr>
+            <a:r>
+              <a:rPr lang="en-ID" dirty="0">
+                <a:solidFill>
+                  <a:srgbClr val="808080"/>
+                </a:solidFill>
+                <a:latin typeface="Consolas" panose="020B0609020204030204" pitchFamily="49" charset="0"/>
+              </a:rPr>
+              <a:t>&lt;</a:t>
+            </a:r>
+            <a:r>
+              <a:rPr lang="en-ID" dirty="0">
+                <a:solidFill>
+                  <a:srgbClr val="569CD6"/>
+                </a:solidFill>
+                <a:latin typeface="Consolas" panose="020B0609020204030204" pitchFamily="49" charset="0"/>
+              </a:rPr>
+              <a:t>html</a:t>
+            </a:r>
+            <a:r>
+              <a:rPr lang="en-ID" dirty="0">
+                <a:solidFill>
+                  <a:srgbClr val="D4D4D4"/>
+                </a:solidFill>
+                <a:latin typeface="Consolas" panose="020B0609020204030204" pitchFamily="49" charset="0"/>
+              </a:rPr>
+              <a:t> </a:t>
+            </a:r>
+            <a:r>
+              <a:rPr lang="en-ID" dirty="0" err="1">
+                <a:solidFill>
+                  <a:srgbClr val="9CDCFE"/>
+                </a:solidFill>
+                <a:latin typeface="Consolas" panose="020B0609020204030204" pitchFamily="49" charset="0"/>
+              </a:rPr>
+              <a:t>lang</a:t>
+            </a:r>
+            <a:r>
+              <a:rPr lang="en-ID" dirty="0">
+                <a:solidFill>
+                  <a:srgbClr val="D4D4D4"/>
+                </a:solidFill>
+                <a:latin typeface="Consolas" panose="020B0609020204030204" pitchFamily="49" charset="0"/>
+              </a:rPr>
+              <a:t>=</a:t>
+            </a:r>
+            <a:r>
+              <a:rPr lang="en-ID" dirty="0">
+                <a:solidFill>
+                  <a:srgbClr val="CE9178"/>
+                </a:solidFill>
+                <a:latin typeface="Consolas" panose="020B0609020204030204" pitchFamily="49" charset="0"/>
+              </a:rPr>
+              <a:t>"</a:t>
+            </a:r>
+            <a:r>
+              <a:rPr lang="en-ID" dirty="0" err="1">
+                <a:solidFill>
+                  <a:srgbClr val="CE9178"/>
+                </a:solidFill>
+                <a:latin typeface="Consolas" panose="020B0609020204030204" pitchFamily="49" charset="0"/>
+              </a:rPr>
+              <a:t>en</a:t>
+            </a:r>
+            <a:r>
+              <a:rPr lang="en-ID" dirty="0">
+                <a:solidFill>
+                  <a:srgbClr val="CE9178"/>
+                </a:solidFill>
+                <a:latin typeface="Consolas" panose="020B0609020204030204" pitchFamily="49" charset="0"/>
+              </a:rPr>
+              <a:t>"</a:t>
+            </a:r>
+            <a:r>
+              <a:rPr lang="en-ID" dirty="0">
+                <a:solidFill>
+                  <a:srgbClr val="808080"/>
+                </a:solidFill>
+                <a:latin typeface="Consolas" panose="020B0609020204030204" pitchFamily="49" charset="0"/>
+              </a:rPr>
+              <a:t>&gt;</a:t>
+            </a:r>
+            <a:endParaRPr lang="en-ID" dirty="0">
+              <a:solidFill>
+                <a:srgbClr val="D4D4D4"/>
+              </a:solidFill>
+              <a:latin typeface="Consolas" panose="020B0609020204030204" pitchFamily="49" charset="0"/>
+            </a:endParaRPr>
+          </a:p>
+          <a:p>
+            <a:pPr>
+              <a:buFont typeface="+mj-lt"/>
+              <a:buAutoNum type="arabicPeriod"/>
+            </a:pPr>
+            <a:r>
+              <a:rPr lang="en-ID" dirty="0">
+                <a:solidFill>
+                  <a:srgbClr val="808080"/>
+                </a:solidFill>
+                <a:latin typeface="Consolas" panose="020B0609020204030204" pitchFamily="49" charset="0"/>
+              </a:rPr>
+              <a:t>&lt;</a:t>
+            </a:r>
+            <a:r>
+              <a:rPr lang="en-ID" dirty="0">
+                <a:solidFill>
+                  <a:srgbClr val="569CD6"/>
+                </a:solidFill>
+                <a:latin typeface="Consolas" panose="020B0609020204030204" pitchFamily="49" charset="0"/>
+              </a:rPr>
+              <a:t>head</a:t>
+            </a:r>
+            <a:r>
+              <a:rPr lang="en-ID" dirty="0">
+                <a:solidFill>
+                  <a:srgbClr val="808080"/>
+                </a:solidFill>
+                <a:latin typeface="Consolas" panose="020B0609020204030204" pitchFamily="49" charset="0"/>
+              </a:rPr>
+              <a:t>&gt;</a:t>
+            </a:r>
+            <a:endParaRPr lang="en-ID" dirty="0">
+              <a:solidFill>
+                <a:srgbClr val="D4D4D4"/>
+              </a:solidFill>
+              <a:latin typeface="Consolas" panose="020B0609020204030204" pitchFamily="49" charset="0"/>
+            </a:endParaRPr>
+          </a:p>
+          <a:p>
+            <a:pPr>
+              <a:buFont typeface="+mj-lt"/>
+              <a:buAutoNum type="arabicPeriod"/>
+            </a:pPr>
+            <a:r>
+              <a:rPr lang="en-ID" dirty="0">
+                <a:solidFill>
+                  <a:srgbClr val="D4D4D4"/>
+                </a:solidFill>
+                <a:latin typeface="Consolas" panose="020B0609020204030204" pitchFamily="49" charset="0"/>
+              </a:rPr>
+              <a:t>    </a:t>
+            </a:r>
+            <a:r>
+              <a:rPr lang="en-ID" dirty="0">
+                <a:solidFill>
+                  <a:srgbClr val="808080"/>
+                </a:solidFill>
+                <a:latin typeface="Consolas" panose="020B0609020204030204" pitchFamily="49" charset="0"/>
+              </a:rPr>
+              <a:t>&lt;</a:t>
+            </a:r>
+            <a:r>
+              <a:rPr lang="en-ID" dirty="0">
+                <a:solidFill>
+                  <a:srgbClr val="569CD6"/>
+                </a:solidFill>
+                <a:latin typeface="Consolas" panose="020B0609020204030204" pitchFamily="49" charset="0"/>
+              </a:rPr>
+              <a:t>meta</a:t>
+            </a:r>
+            <a:r>
+              <a:rPr lang="en-ID" dirty="0">
+                <a:solidFill>
+                  <a:srgbClr val="D4D4D4"/>
+                </a:solidFill>
+                <a:latin typeface="Consolas" panose="020B0609020204030204" pitchFamily="49" charset="0"/>
+              </a:rPr>
+              <a:t> </a:t>
+            </a:r>
+            <a:r>
+              <a:rPr lang="en-ID" dirty="0">
+                <a:solidFill>
+                  <a:srgbClr val="9CDCFE"/>
+                </a:solidFill>
+                <a:latin typeface="Consolas" panose="020B0609020204030204" pitchFamily="49" charset="0"/>
+              </a:rPr>
+              <a:t>charset</a:t>
+            </a:r>
+            <a:r>
+              <a:rPr lang="en-ID" dirty="0">
+                <a:solidFill>
+                  <a:srgbClr val="D4D4D4"/>
+                </a:solidFill>
+                <a:latin typeface="Consolas" panose="020B0609020204030204" pitchFamily="49" charset="0"/>
+              </a:rPr>
+              <a:t>=</a:t>
+            </a:r>
+            <a:r>
+              <a:rPr lang="en-ID" dirty="0">
+                <a:solidFill>
+                  <a:srgbClr val="CE9178"/>
+                </a:solidFill>
+                <a:latin typeface="Consolas" panose="020B0609020204030204" pitchFamily="49" charset="0"/>
+              </a:rPr>
+              <a:t>"UTF-8"</a:t>
+            </a:r>
+            <a:r>
+              <a:rPr lang="en-ID" dirty="0">
+                <a:solidFill>
+                  <a:srgbClr val="808080"/>
+                </a:solidFill>
+                <a:latin typeface="Consolas" panose="020B0609020204030204" pitchFamily="49" charset="0"/>
+              </a:rPr>
+              <a:t>&gt;</a:t>
+            </a:r>
+            <a:endParaRPr lang="en-ID" dirty="0">
+              <a:solidFill>
+                <a:srgbClr val="D4D4D4"/>
+              </a:solidFill>
+              <a:latin typeface="Consolas" panose="020B0609020204030204" pitchFamily="49" charset="0"/>
+            </a:endParaRPr>
+          </a:p>
+          <a:p>
+            <a:pPr>
+              <a:buFont typeface="+mj-lt"/>
+              <a:buAutoNum type="arabicPeriod"/>
+            </a:pPr>
+            <a:r>
+              <a:rPr lang="en-ID" dirty="0">
+                <a:solidFill>
+                  <a:srgbClr val="D4D4D4"/>
+                </a:solidFill>
+                <a:latin typeface="Consolas" panose="020B0609020204030204" pitchFamily="49" charset="0"/>
+              </a:rPr>
+              <a:t>    </a:t>
+            </a:r>
+            <a:r>
+              <a:rPr lang="en-ID" dirty="0">
+                <a:solidFill>
+                  <a:srgbClr val="808080"/>
+                </a:solidFill>
+                <a:latin typeface="Consolas" panose="020B0609020204030204" pitchFamily="49" charset="0"/>
+              </a:rPr>
+              <a:t>&lt;</a:t>
+            </a:r>
+            <a:r>
+              <a:rPr lang="en-ID" dirty="0">
+                <a:solidFill>
+                  <a:srgbClr val="569CD6"/>
+                </a:solidFill>
+                <a:latin typeface="Consolas" panose="020B0609020204030204" pitchFamily="49" charset="0"/>
+              </a:rPr>
+              <a:t>meta</a:t>
+            </a:r>
+            <a:r>
+              <a:rPr lang="en-ID" dirty="0">
+                <a:solidFill>
+                  <a:srgbClr val="D4D4D4"/>
+                </a:solidFill>
+                <a:latin typeface="Consolas" panose="020B0609020204030204" pitchFamily="49" charset="0"/>
+              </a:rPr>
+              <a:t> </a:t>
+            </a:r>
+            <a:r>
+              <a:rPr lang="en-ID" dirty="0">
+                <a:solidFill>
+                  <a:srgbClr val="9CDCFE"/>
+                </a:solidFill>
+                <a:latin typeface="Consolas" panose="020B0609020204030204" pitchFamily="49" charset="0"/>
+              </a:rPr>
+              <a:t>name</a:t>
+            </a:r>
+            <a:r>
+              <a:rPr lang="en-ID" dirty="0">
+                <a:solidFill>
+                  <a:srgbClr val="D4D4D4"/>
+                </a:solidFill>
+                <a:latin typeface="Consolas" panose="020B0609020204030204" pitchFamily="49" charset="0"/>
+              </a:rPr>
+              <a:t>=</a:t>
+            </a:r>
+            <a:r>
+              <a:rPr lang="en-ID" dirty="0">
+                <a:solidFill>
+                  <a:srgbClr val="CE9178"/>
+                </a:solidFill>
+                <a:latin typeface="Consolas" panose="020B0609020204030204" pitchFamily="49" charset="0"/>
+              </a:rPr>
+              <a:t>"viewport"</a:t>
+            </a:r>
+            <a:r>
+              <a:rPr lang="en-ID" dirty="0">
+                <a:solidFill>
+                  <a:srgbClr val="D4D4D4"/>
+                </a:solidFill>
+                <a:latin typeface="Consolas" panose="020B0609020204030204" pitchFamily="49" charset="0"/>
+              </a:rPr>
+              <a:t> </a:t>
+            </a:r>
+            <a:r>
+              <a:rPr lang="en-ID" dirty="0">
+                <a:solidFill>
+                  <a:srgbClr val="9CDCFE"/>
+                </a:solidFill>
+                <a:latin typeface="Consolas" panose="020B0609020204030204" pitchFamily="49" charset="0"/>
+              </a:rPr>
+              <a:t>content</a:t>
+            </a:r>
+            <a:r>
+              <a:rPr lang="en-ID" dirty="0">
+                <a:solidFill>
+                  <a:srgbClr val="D4D4D4"/>
+                </a:solidFill>
+                <a:latin typeface="Consolas" panose="020B0609020204030204" pitchFamily="49" charset="0"/>
+              </a:rPr>
+              <a:t>=</a:t>
+            </a:r>
+            <a:r>
+              <a:rPr lang="en-ID" dirty="0">
+                <a:solidFill>
+                  <a:srgbClr val="CE9178"/>
+                </a:solidFill>
+                <a:latin typeface="Consolas" panose="020B0609020204030204" pitchFamily="49" charset="0"/>
+              </a:rPr>
+              <a:t>"width=device-width, initial-scale=1.0"</a:t>
+            </a:r>
+            <a:r>
+              <a:rPr lang="en-ID" dirty="0">
+                <a:solidFill>
+                  <a:srgbClr val="808080"/>
+                </a:solidFill>
+                <a:latin typeface="Consolas" panose="020B0609020204030204" pitchFamily="49" charset="0"/>
+              </a:rPr>
+              <a:t>&gt;</a:t>
+            </a:r>
+            <a:endParaRPr lang="en-ID" dirty="0">
+              <a:solidFill>
+                <a:srgbClr val="D4D4D4"/>
+              </a:solidFill>
+              <a:latin typeface="Consolas" panose="020B0609020204030204" pitchFamily="49" charset="0"/>
+            </a:endParaRPr>
+          </a:p>
+          <a:p>
+            <a:pPr>
+              <a:buFont typeface="+mj-lt"/>
+              <a:buAutoNum type="arabicPeriod"/>
+            </a:pPr>
+            <a:r>
+              <a:rPr lang="en-ID" dirty="0">
+                <a:solidFill>
+                  <a:srgbClr val="D4D4D4"/>
+                </a:solidFill>
+                <a:latin typeface="Consolas" panose="020B0609020204030204" pitchFamily="49" charset="0"/>
+              </a:rPr>
+              <a:t>    </a:t>
+            </a:r>
+            <a:r>
+              <a:rPr lang="en-ID" dirty="0">
+                <a:solidFill>
+                  <a:srgbClr val="808080"/>
+                </a:solidFill>
+                <a:latin typeface="Consolas" panose="020B0609020204030204" pitchFamily="49" charset="0"/>
+              </a:rPr>
+              <a:t>&lt;</a:t>
+            </a:r>
+            <a:r>
+              <a:rPr lang="en-ID" dirty="0">
+                <a:solidFill>
+                  <a:srgbClr val="569CD6"/>
+                </a:solidFill>
+                <a:latin typeface="Consolas" panose="020B0609020204030204" pitchFamily="49" charset="0"/>
+              </a:rPr>
+              <a:t>title</a:t>
+            </a:r>
+            <a:r>
+              <a:rPr lang="en-ID" dirty="0">
+                <a:solidFill>
+                  <a:srgbClr val="808080"/>
+                </a:solidFill>
+                <a:latin typeface="Consolas" panose="020B0609020204030204" pitchFamily="49" charset="0"/>
+              </a:rPr>
+              <a:t>&gt;</a:t>
+            </a:r>
+            <a:r>
+              <a:rPr lang="en-ID" dirty="0">
+                <a:solidFill>
+                  <a:srgbClr val="D4D4D4"/>
+                </a:solidFill>
+                <a:latin typeface="Consolas" panose="020B0609020204030204" pitchFamily="49" charset="0"/>
+              </a:rPr>
+              <a:t>JUDUL</a:t>
+            </a:r>
+            <a:r>
+              <a:rPr lang="en-ID" dirty="0">
+                <a:solidFill>
+                  <a:srgbClr val="808080"/>
+                </a:solidFill>
+                <a:latin typeface="Consolas" panose="020B0609020204030204" pitchFamily="49" charset="0"/>
+              </a:rPr>
+              <a:t>&lt;/</a:t>
+            </a:r>
+            <a:r>
+              <a:rPr lang="en-ID" dirty="0">
+                <a:solidFill>
+                  <a:srgbClr val="569CD6"/>
+                </a:solidFill>
+                <a:latin typeface="Consolas" panose="020B0609020204030204" pitchFamily="49" charset="0"/>
+              </a:rPr>
+              <a:t>title</a:t>
+            </a:r>
+            <a:r>
+              <a:rPr lang="en-ID" dirty="0">
+                <a:solidFill>
+                  <a:srgbClr val="808080"/>
+                </a:solidFill>
+                <a:latin typeface="Consolas" panose="020B0609020204030204" pitchFamily="49" charset="0"/>
+              </a:rPr>
+              <a:t>&gt;</a:t>
+            </a:r>
+            <a:endParaRPr lang="en-ID" dirty="0">
+              <a:solidFill>
+                <a:srgbClr val="D4D4D4"/>
+              </a:solidFill>
+              <a:latin typeface="Consolas" panose="020B0609020204030204" pitchFamily="49" charset="0"/>
+            </a:endParaRPr>
+          </a:p>
+          <a:p>
+            <a:pPr>
+              <a:buFont typeface="+mj-lt"/>
+              <a:buAutoNum type="arabicPeriod"/>
+            </a:pPr>
+            <a:r>
+              <a:rPr lang="en-ID" dirty="0">
+                <a:solidFill>
+                  <a:srgbClr val="808080"/>
+                </a:solidFill>
+                <a:latin typeface="Consolas" panose="020B0609020204030204" pitchFamily="49" charset="0"/>
+              </a:rPr>
+              <a:t>&lt;/</a:t>
+            </a:r>
+            <a:r>
+              <a:rPr lang="en-ID" dirty="0">
+                <a:solidFill>
+                  <a:srgbClr val="569CD6"/>
+                </a:solidFill>
+                <a:latin typeface="Consolas" panose="020B0609020204030204" pitchFamily="49" charset="0"/>
+              </a:rPr>
+              <a:t>head</a:t>
+            </a:r>
+            <a:r>
+              <a:rPr lang="en-ID" dirty="0">
+                <a:solidFill>
+                  <a:srgbClr val="808080"/>
+                </a:solidFill>
+                <a:latin typeface="Consolas" panose="020B0609020204030204" pitchFamily="49" charset="0"/>
+              </a:rPr>
+              <a:t>&gt;</a:t>
+            </a:r>
+            <a:endParaRPr lang="en-ID" dirty="0">
+              <a:solidFill>
+                <a:srgbClr val="D4D4D4"/>
+              </a:solidFill>
+              <a:latin typeface="Consolas" panose="020B0609020204030204" pitchFamily="49" charset="0"/>
+            </a:endParaRPr>
+          </a:p>
+          <a:p>
+            <a:pPr>
+              <a:buFont typeface="+mj-lt"/>
+              <a:buAutoNum type="arabicPeriod"/>
+            </a:pPr>
+            <a:r>
+              <a:rPr lang="en-ID" dirty="0">
+                <a:solidFill>
+                  <a:srgbClr val="808080"/>
+                </a:solidFill>
+                <a:latin typeface="Consolas" panose="020B0609020204030204" pitchFamily="49" charset="0"/>
+              </a:rPr>
+              <a:t>&lt;</a:t>
+            </a:r>
+            <a:r>
+              <a:rPr lang="en-ID" dirty="0">
+                <a:solidFill>
+                  <a:srgbClr val="569CD6"/>
+                </a:solidFill>
+                <a:latin typeface="Consolas" panose="020B0609020204030204" pitchFamily="49" charset="0"/>
+              </a:rPr>
+              <a:t>body</a:t>
+            </a:r>
+            <a:r>
+              <a:rPr lang="en-ID" dirty="0">
+                <a:solidFill>
+                  <a:srgbClr val="808080"/>
+                </a:solidFill>
+                <a:latin typeface="Consolas" panose="020B0609020204030204" pitchFamily="49" charset="0"/>
+              </a:rPr>
+              <a:t>&gt;</a:t>
+            </a:r>
+            <a:endParaRPr lang="en-ID" dirty="0">
+              <a:solidFill>
+                <a:srgbClr val="D4D4D4"/>
+              </a:solidFill>
+              <a:latin typeface="Consolas" panose="020B0609020204030204" pitchFamily="49" charset="0"/>
+            </a:endParaRPr>
+          </a:p>
+          <a:p>
+            <a:pPr>
+              <a:buFont typeface="+mj-lt"/>
+              <a:buAutoNum type="arabicPeriod"/>
+            </a:pPr>
+            <a:r>
+              <a:rPr lang="en-ID" dirty="0">
+                <a:solidFill>
+                  <a:srgbClr val="D4D4D4"/>
+                </a:solidFill>
+                <a:latin typeface="Consolas" panose="020B0609020204030204" pitchFamily="49" charset="0"/>
+              </a:rPr>
+              <a:t>    MEMBUAT WEBSITE</a:t>
+            </a:r>
+          </a:p>
+          <a:p>
+            <a:pPr>
+              <a:buFont typeface="+mj-lt"/>
+              <a:buAutoNum type="arabicPeriod"/>
+            </a:pPr>
+            <a:r>
+              <a:rPr lang="en-ID" dirty="0">
+                <a:solidFill>
+                  <a:srgbClr val="808080"/>
+                </a:solidFill>
+                <a:latin typeface="Consolas" panose="020B0609020204030204" pitchFamily="49" charset="0"/>
+              </a:rPr>
+              <a:t>&lt;/</a:t>
+            </a:r>
+            <a:r>
+              <a:rPr lang="en-ID" dirty="0">
+                <a:solidFill>
+                  <a:srgbClr val="569CD6"/>
+                </a:solidFill>
+                <a:latin typeface="Consolas" panose="020B0609020204030204" pitchFamily="49" charset="0"/>
+              </a:rPr>
+              <a:t>body</a:t>
+            </a:r>
+            <a:r>
+              <a:rPr lang="en-ID" dirty="0">
+                <a:solidFill>
+                  <a:srgbClr val="808080"/>
+                </a:solidFill>
+                <a:latin typeface="Consolas" panose="020B0609020204030204" pitchFamily="49" charset="0"/>
+              </a:rPr>
+              <a:t>&gt;</a:t>
+            </a:r>
+            <a:endParaRPr lang="en-ID" dirty="0">
+              <a:solidFill>
+                <a:srgbClr val="D4D4D4"/>
+              </a:solidFill>
+              <a:latin typeface="Consolas" panose="020B0609020204030204" pitchFamily="49" charset="0"/>
+            </a:endParaRPr>
+          </a:p>
+          <a:p>
+            <a:pPr>
+              <a:buFont typeface="+mj-lt"/>
+              <a:buAutoNum type="arabicPeriod"/>
+            </a:pPr>
+            <a:r>
+              <a:rPr lang="en-ID" dirty="0">
+                <a:solidFill>
+                  <a:srgbClr val="808080"/>
+                </a:solidFill>
+                <a:latin typeface="Consolas" panose="020B0609020204030204" pitchFamily="49" charset="0"/>
+              </a:rPr>
+              <a:t>&lt;/</a:t>
+            </a:r>
+            <a:r>
+              <a:rPr lang="en-ID" dirty="0">
+                <a:solidFill>
+                  <a:srgbClr val="569CD6"/>
+                </a:solidFill>
+                <a:latin typeface="Consolas" panose="020B0609020204030204" pitchFamily="49" charset="0"/>
+              </a:rPr>
+              <a:t>html</a:t>
+            </a:r>
+            <a:r>
+              <a:rPr lang="en-ID" dirty="0">
+                <a:solidFill>
+                  <a:srgbClr val="808080"/>
+                </a:solidFill>
+                <a:latin typeface="Consolas" panose="020B0609020204030204" pitchFamily="49" charset="0"/>
+              </a:rPr>
+              <a:t>&gt;</a:t>
+            </a:r>
+            <a:endParaRPr lang="en-ID" dirty="0">
+              <a:solidFill>
+                <a:srgbClr val="D4D4D4"/>
+              </a:solidFill>
+              <a:latin typeface="Consolas" panose="020B0609020204030204" pitchFamily="49" charset="0"/>
+            </a:endParaRPr>
+          </a:p>
+        </p:txBody>
+      </p:sp>
     </p:spTree>
     <p:extLst>
       <p:ext uri="{BB962C8B-B14F-4D97-AF65-F5344CB8AC3E}">
-        <p14:creationId xmlns:p14="http://schemas.microsoft.com/office/powerpoint/2010/main" val="2352915680"/>
+        <p14:creationId xmlns:p14="http://schemas.microsoft.com/office/powerpoint/2010/main" val="2971446059"/>
       </p:ext>
     </p:extLst>
   </p:cSld>
